--- a/Teaching/Chemistry/FCC Chem 3A Lab Safety.pptx
+++ b/Teaching/Chemistry/FCC Chem 3A Lab Safety.pptx
@@ -5,7 +5,7 @@
     <p:sldMasterId id="2147483803" r:id="rId1"/>
   </p:sldMasterIdLst>
   <p:notesMasterIdLst>
-    <p:notesMasterId r:id="rId18"/>
+    <p:notesMasterId r:id="rId17"/>
   </p:notesMasterIdLst>
   <p:sldIdLst>
     <p:sldId id="608" r:id="rId2"/>
@@ -13,17 +13,16 @@
     <p:sldId id="610" r:id="rId4"/>
     <p:sldId id="612" r:id="rId5"/>
     <p:sldId id="613" r:id="rId6"/>
-    <p:sldId id="614" r:id="rId7"/>
-    <p:sldId id="615" r:id="rId8"/>
-    <p:sldId id="616" r:id="rId9"/>
-    <p:sldId id="618" r:id="rId10"/>
-    <p:sldId id="619" r:id="rId11"/>
-    <p:sldId id="620" r:id="rId12"/>
-    <p:sldId id="621" r:id="rId13"/>
-    <p:sldId id="622" r:id="rId14"/>
-    <p:sldId id="623" r:id="rId15"/>
-    <p:sldId id="624" r:id="rId16"/>
-    <p:sldId id="617" r:id="rId17"/>
+    <p:sldId id="615" r:id="rId7"/>
+    <p:sldId id="616" r:id="rId8"/>
+    <p:sldId id="618" r:id="rId9"/>
+    <p:sldId id="619" r:id="rId10"/>
+    <p:sldId id="620" r:id="rId11"/>
+    <p:sldId id="621" r:id="rId12"/>
+    <p:sldId id="622" r:id="rId13"/>
+    <p:sldId id="623" r:id="rId14"/>
+    <p:sldId id="624" r:id="rId15"/>
+    <p:sldId id="617" r:id="rId16"/>
   </p:sldIdLst>
   <p:sldSz cx="9144000" cy="6858000" type="screen4x3"/>
   <p:notesSz cx="7315200" cy="9601200"/>
@@ -10125,156 +10124,6 @@
         <p:cNvPr id="1" name="">
           <a:extLst>
             <a:ext uri="{FF2B5EF4-FFF2-40B4-BE49-F238E27FC236}">
-              <a16:creationId xmlns:a16="http://schemas.microsoft.com/office/drawing/2014/main" id="{3C6D61BD-A423-A0B4-839E-2A08E75A9AEE}"/>
-            </a:ext>
-          </a:extLst>
-        </p:cNvPr>
-        <p:cNvGrpSpPr/>
-        <p:nvPr/>
-      </p:nvGrpSpPr>
-      <p:grpSpPr>
-        <a:xfrm>
-          <a:off x="0" y="0"/>
-          <a:ext cx="0" cy="0"/>
-          <a:chOff x="0" y="0"/>
-          <a:chExt cx="0" cy="0"/>
-        </a:xfrm>
-      </p:grpSpPr>
-      <p:sp>
-        <p:nvSpPr>
-          <p:cNvPr id="2" name="Title 1">
-            <a:extLst>
-              <a:ext uri="{FF2B5EF4-FFF2-40B4-BE49-F238E27FC236}">
-                <a16:creationId xmlns:a16="http://schemas.microsoft.com/office/drawing/2014/main" id="{ED58C25B-AB75-D730-D030-82868CD14AC1}"/>
-              </a:ext>
-            </a:extLst>
-          </p:cNvPr>
-          <p:cNvSpPr>
-            <a:spLocks noGrp="1"/>
-          </p:cNvSpPr>
-          <p:nvPr>
-            <p:ph type="title"/>
-          </p:nvPr>
-        </p:nvSpPr>
-        <p:spPr/>
-        <p:txBody>
-          <a:bodyPr/>
-          <a:lstStyle/>
-          <a:p>
-            <a:r>
-              <a:rPr lang="en-US" dirty="0"/>
-              <a:t>The Lab Safety Contract</a:t>
-            </a:r>
-          </a:p>
-        </p:txBody>
-      </p:sp>
-      <p:sp>
-        <p:nvSpPr>
-          <p:cNvPr id="3" name="Content Placeholder 2">
-            <a:extLst>
-              <a:ext uri="{FF2B5EF4-FFF2-40B4-BE49-F238E27FC236}">
-                <a16:creationId xmlns:a16="http://schemas.microsoft.com/office/drawing/2014/main" id="{FF27F8AF-8BE2-DA15-3EDB-D48374EE97AE}"/>
-              </a:ext>
-            </a:extLst>
-          </p:cNvPr>
-          <p:cNvSpPr>
-            <a:spLocks noGrp="1"/>
-          </p:cNvSpPr>
-          <p:nvPr>
-            <p:ph idx="1"/>
-          </p:nvPr>
-        </p:nvSpPr>
-        <p:spPr/>
-        <p:txBody>
-          <a:bodyPr/>
-          <a:lstStyle/>
-          <a:p>
-            <a:r>
-              <a:rPr lang="en-US" dirty="0"/>
-              <a:t>Inserting glass tubing &amp; thermometers in holed stoppers</a:t>
-            </a:r>
-          </a:p>
-          <a:p>
-            <a:pPr lvl="1"/>
-            <a:r>
-              <a:rPr lang="en-US" dirty="0"/>
-              <a:t>Very avoidable injuries are caused by wrongly inserting glass tubing into holed stoppers!</a:t>
-            </a:r>
-          </a:p>
-          <a:p>
-            <a:pPr lvl="1"/>
-            <a:r>
-              <a:rPr lang="en-US" dirty="0"/>
-              <a:t>Apply glycerin (or at least dishwashing detergent) to the hole and surface of tubing</a:t>
-            </a:r>
-          </a:p>
-          <a:p>
-            <a:pPr lvl="1"/>
-            <a:r>
-              <a:rPr lang="en-US" dirty="0"/>
-              <a:t>Push tubing into hole, using a rotating motion</a:t>
-            </a:r>
-          </a:p>
-          <a:p>
-            <a:pPr lvl="2">
-              <a:buFont typeface="Courier New" panose="02070309020205020404" pitchFamily="49" charset="0"/>
-              <a:buChar char="o"/>
-            </a:pPr>
-            <a:r>
-              <a:rPr lang="en-US" dirty="0"/>
-              <a:t>Insertion should be with ease and no great resistance</a:t>
-            </a:r>
-          </a:p>
-          <a:p>
-            <a:pPr lvl="2">
-              <a:buFont typeface="Courier New" panose="02070309020205020404" pitchFamily="49" charset="0"/>
-              <a:buChar char="o"/>
-            </a:pPr>
-            <a:r>
-              <a:rPr lang="en-US" dirty="0"/>
-              <a:t>Do not have the tubing insertion and your palm in same path!</a:t>
-            </a:r>
-          </a:p>
-          <a:p>
-            <a:pPr lvl="1"/>
-            <a:r>
-              <a:rPr lang="en-US" dirty="0"/>
-              <a:t>Wash stopper &amp; inserted tubing liberally with water when done</a:t>
-            </a:r>
-          </a:p>
-          <a:p>
-            <a:pPr lvl="1"/>
-            <a:endParaRPr lang="en-US" dirty="0"/>
-          </a:p>
-          <a:p>
-            <a:r>
-              <a:rPr lang="en-US" dirty="0"/>
-              <a:t>Unfamiliar with glassware? Ask instructor what it is and what it’s used for</a:t>
-            </a:r>
-          </a:p>
-        </p:txBody>
-      </p:sp>
-    </p:spTree>
-    <p:extLst>
-      <p:ext uri="{BB962C8B-B14F-4D97-AF65-F5344CB8AC3E}">
-        <p14:creationId xmlns:p14="http://schemas.microsoft.com/office/powerpoint/2010/main" val="2903961451"/>
-      </p:ext>
-    </p:extLst>
-  </p:cSld>
-  <p:clrMapOvr>
-    <a:masterClrMapping/>
-  </p:clrMapOvr>
-</p:sld>
-</file>
-
-<file path=ppt/slides/slide11.xml><?xml version="1.0" encoding="utf-8"?>
-<p:sld xmlns:a="http://schemas.openxmlformats.org/drawingml/2006/main" xmlns:r="http://schemas.openxmlformats.org/officeDocument/2006/relationships" xmlns:p="http://schemas.openxmlformats.org/presentationml/2006/main">
-  <p:cSld>
-    <p:spTree>
-      <p:nvGrpSpPr>
-        <p:cNvPr id="1" name="">
-          <a:extLst>
-            <a:ext uri="{FF2B5EF4-FFF2-40B4-BE49-F238E27FC236}">
               <a16:creationId xmlns:a16="http://schemas.microsoft.com/office/drawing/2014/main" id="{3D54DE40-4B08-E1B4-4506-FAA901D67894}"/>
             </a:ext>
           </a:extLst>
@@ -10449,7 +10298,7 @@
 </p:sld>
 </file>
 
-<file path=ppt/slides/slide12.xml><?xml version="1.0" encoding="utf-8"?>
+<file path=ppt/slides/slide11.xml><?xml version="1.0" encoding="utf-8"?>
 <p:sld xmlns:a="http://schemas.openxmlformats.org/drawingml/2006/main" xmlns:r="http://schemas.openxmlformats.org/officeDocument/2006/relationships" xmlns:p="http://schemas.openxmlformats.org/presentationml/2006/main">
   <p:cSld>
     <p:spTree>
@@ -10599,7 +10448,7 @@
 </p:sld>
 </file>
 
-<file path=ppt/slides/slide13.xml><?xml version="1.0" encoding="utf-8"?>
+<file path=ppt/slides/slide12.xml><?xml version="1.0" encoding="utf-8"?>
 <p:sld xmlns:a="http://schemas.openxmlformats.org/drawingml/2006/main" xmlns:r="http://schemas.openxmlformats.org/officeDocument/2006/relationships" xmlns:p="http://schemas.openxmlformats.org/presentationml/2006/main">
   <p:cSld>
     <p:spTree>
@@ -10691,8 +10540,13 @@
           <a:p>
             <a:r>
               <a:rPr lang="en-US" dirty="0"/>
-              <a:t>Treat all chemicals as a safety</a:t>
-            </a:r>
+              <a:t>Treat all chemicals as a </a:t>
+            </a:r>
+            <a:r>
+              <a:rPr lang="en-US"/>
+              <a:t>safety concern</a:t>
+            </a:r>
+            <a:endParaRPr lang="en-US" dirty="0"/>
           </a:p>
           <a:p>
             <a:r>
@@ -10747,7 +10601,7 @@
 </p:sld>
 </file>
 
-<file path=ppt/slides/slide14.xml><?xml version="1.0" encoding="utf-8"?>
+<file path=ppt/slides/slide13.xml><?xml version="1.0" encoding="utf-8"?>
 <p:sld xmlns:a="http://schemas.openxmlformats.org/drawingml/2006/main" xmlns:r="http://schemas.openxmlformats.org/officeDocument/2006/relationships" xmlns:p="http://schemas.openxmlformats.org/presentationml/2006/main">
   <p:cSld>
     <p:spTree>
@@ -10897,7 +10751,7 @@
 </p:sld>
 </file>
 
-<file path=ppt/slides/slide15.xml><?xml version="1.0" encoding="utf-8"?>
+<file path=ppt/slides/slide14.xml><?xml version="1.0" encoding="utf-8"?>
 <p:sld xmlns:a="http://schemas.openxmlformats.org/drawingml/2006/main" xmlns:r="http://schemas.openxmlformats.org/officeDocument/2006/relationships" xmlns:p="http://schemas.openxmlformats.org/presentationml/2006/main">
   <p:cSld>
     <p:spTree>
@@ -11042,7 +10896,7 @@
 </p:sld>
 </file>
 
-<file path=ppt/slides/slide16.xml><?xml version="1.0" encoding="utf-8"?>
+<file path=ppt/slides/slide15.xml><?xml version="1.0" encoding="utf-8"?>
 <p:sld xmlns:a="http://schemas.openxmlformats.org/drawingml/2006/main" xmlns:r="http://schemas.openxmlformats.org/officeDocument/2006/relationships" xmlns:p="http://schemas.openxmlformats.org/presentationml/2006/main">
   <p:cSld>
     <p:spTree>
@@ -11933,135 +11787,6 @@
         <p:cNvPr id="1" name="">
           <a:extLst>
             <a:ext uri="{FF2B5EF4-FFF2-40B4-BE49-F238E27FC236}">
-              <a16:creationId xmlns:a16="http://schemas.microsoft.com/office/drawing/2014/main" id="{04D85B16-18B5-3A49-A717-EA47DCC439F6}"/>
-            </a:ext>
-          </a:extLst>
-        </p:cNvPr>
-        <p:cNvGrpSpPr/>
-        <p:nvPr/>
-      </p:nvGrpSpPr>
-      <p:grpSpPr>
-        <a:xfrm>
-          <a:off x="0" y="0"/>
-          <a:ext cx="0" cy="0"/>
-          <a:chOff x="0" y="0"/>
-          <a:chExt cx="0" cy="0"/>
-        </a:xfrm>
-      </p:grpSpPr>
-      <p:sp>
-        <p:nvSpPr>
-          <p:cNvPr id="2" name="Title 1">
-            <a:extLst>
-              <a:ext uri="{FF2B5EF4-FFF2-40B4-BE49-F238E27FC236}">
-                <a16:creationId xmlns:a16="http://schemas.microsoft.com/office/drawing/2014/main" id="{0347069B-E218-0207-CB9A-FB271EA055D9}"/>
-              </a:ext>
-            </a:extLst>
-          </p:cNvPr>
-          <p:cNvSpPr>
-            <a:spLocks noGrp="1"/>
-          </p:cNvSpPr>
-          <p:nvPr>
-            <p:ph type="title"/>
-          </p:nvPr>
-        </p:nvSpPr>
-        <p:spPr/>
-        <p:txBody>
-          <a:bodyPr/>
-          <a:lstStyle/>
-          <a:p>
-            <a:r>
-              <a:rPr lang="en-US" dirty="0"/>
-              <a:t>The Lab Safety Contract</a:t>
-            </a:r>
-          </a:p>
-        </p:txBody>
-      </p:sp>
-      <p:sp>
-        <p:nvSpPr>
-          <p:cNvPr id="3" name="Content Placeholder 2">
-            <a:extLst>
-              <a:ext uri="{FF2B5EF4-FFF2-40B4-BE49-F238E27FC236}">
-                <a16:creationId xmlns:a16="http://schemas.microsoft.com/office/drawing/2014/main" id="{3084213D-024F-12F4-FDF6-C5B571913573}"/>
-              </a:ext>
-            </a:extLst>
-          </p:cNvPr>
-          <p:cNvSpPr>
-            <a:spLocks noGrp="1"/>
-          </p:cNvSpPr>
-          <p:nvPr>
-            <p:ph idx="1"/>
-          </p:nvPr>
-        </p:nvSpPr>
-        <p:spPr/>
-        <p:txBody>
-          <a:bodyPr/>
-          <a:lstStyle/>
-          <a:p>
-            <a:pPr marL="0" indent="0">
-              <a:buNone/>
-            </a:pPr>
-            <a:r>
-              <a:rPr lang="en-US" sz="3200" dirty="0">
-                <a:solidFill>
-                  <a:srgbClr val="00FF00"/>
-                </a:solidFill>
-              </a:rPr>
-              <a:t>COMMUNITY PROTECTION</a:t>
-            </a:r>
-          </a:p>
-          <a:p>
-            <a:r>
-              <a:rPr lang="en-US" dirty="0"/>
-              <a:t>Lab aisles and corridors must be clear and trip-free of lab equipment, backpacks,</a:t>
-            </a:r>
-            <a:br>
-              <a:rPr lang="en-US" dirty="0"/>
-            </a:br>
-            <a:r>
-              <a:rPr lang="en-US" dirty="0"/>
-              <a:t>chairs out of their place</a:t>
-            </a:r>
-          </a:p>
-          <a:p>
-            <a:r>
-              <a:rPr lang="en-US" dirty="0"/>
-              <a:t>Access to exits and emergency equipment unobstructed</a:t>
-            </a:r>
-            <a:endParaRPr lang="en-US" sz="2400" dirty="0"/>
-          </a:p>
-          <a:p>
-            <a:pPr marL="973138" indent="0">
-              <a:buNone/>
-            </a:pPr>
-            <a:endParaRPr lang="en-US" dirty="0">
-              <a:solidFill>
-                <a:srgbClr val="FFC000"/>
-              </a:solidFill>
-            </a:endParaRPr>
-          </a:p>
-        </p:txBody>
-      </p:sp>
-    </p:spTree>
-    <p:extLst>
-      <p:ext uri="{BB962C8B-B14F-4D97-AF65-F5344CB8AC3E}">
-        <p14:creationId xmlns:p14="http://schemas.microsoft.com/office/powerpoint/2010/main" val="3825149054"/>
-      </p:ext>
-    </p:extLst>
-  </p:cSld>
-  <p:clrMapOvr>
-    <a:masterClrMapping/>
-  </p:clrMapOvr>
-</p:sld>
-</file>
-
-<file path=ppt/slides/slide7.xml><?xml version="1.0" encoding="utf-8"?>
-<p:sld xmlns:a="http://schemas.openxmlformats.org/drawingml/2006/main" xmlns:r="http://schemas.openxmlformats.org/officeDocument/2006/relationships" xmlns:p="http://schemas.openxmlformats.org/presentationml/2006/main">
-  <p:cSld>
-    <p:spTree>
-      <p:nvGrpSpPr>
-        <p:cNvPr id="1" name="">
-          <a:extLst>
-            <a:ext uri="{FF2B5EF4-FFF2-40B4-BE49-F238E27FC236}">
               <a16:creationId xmlns:a16="http://schemas.microsoft.com/office/drawing/2014/main" id="{5EA7335A-93DD-D720-3858-3198A9BBB478}"/>
             </a:ext>
           </a:extLst>
@@ -12214,7 +11939,7 @@
 </p:sld>
 </file>
 
-<file path=ppt/slides/slide8.xml><?xml version="1.0" encoding="utf-8"?>
+<file path=ppt/slides/slide7.xml><?xml version="1.0" encoding="utf-8"?>
 <p:sld xmlns:a="http://schemas.openxmlformats.org/drawingml/2006/main" xmlns:r="http://schemas.openxmlformats.org/officeDocument/2006/relationships" xmlns:p="http://schemas.openxmlformats.org/presentationml/2006/main">
   <p:cSld>
     <p:spTree>
@@ -12360,7 +12085,7 @@
 </p:sld>
 </file>
 
-<file path=ppt/slides/slide9.xml><?xml version="1.0" encoding="utf-8"?>
+<file path=ppt/slides/slide8.xml><?xml version="1.0" encoding="utf-8"?>
 <p:sld xmlns:a="http://schemas.openxmlformats.org/drawingml/2006/main" xmlns:r="http://schemas.openxmlformats.org/officeDocument/2006/relationships" xmlns:p="http://schemas.openxmlformats.org/presentationml/2006/main">
   <p:cSld>
     <p:spTree>
@@ -12477,6 +12202,156 @@
     <p:extLst>
       <p:ext uri="{BB962C8B-B14F-4D97-AF65-F5344CB8AC3E}">
         <p14:creationId xmlns:p14="http://schemas.microsoft.com/office/powerpoint/2010/main" val="2442946857"/>
+      </p:ext>
+    </p:extLst>
+  </p:cSld>
+  <p:clrMapOvr>
+    <a:masterClrMapping/>
+  </p:clrMapOvr>
+</p:sld>
+</file>
+
+<file path=ppt/slides/slide9.xml><?xml version="1.0" encoding="utf-8"?>
+<p:sld xmlns:a="http://schemas.openxmlformats.org/drawingml/2006/main" xmlns:r="http://schemas.openxmlformats.org/officeDocument/2006/relationships" xmlns:p="http://schemas.openxmlformats.org/presentationml/2006/main">
+  <p:cSld>
+    <p:spTree>
+      <p:nvGrpSpPr>
+        <p:cNvPr id="1" name="">
+          <a:extLst>
+            <a:ext uri="{FF2B5EF4-FFF2-40B4-BE49-F238E27FC236}">
+              <a16:creationId xmlns:a16="http://schemas.microsoft.com/office/drawing/2014/main" id="{3C6D61BD-A423-A0B4-839E-2A08E75A9AEE}"/>
+            </a:ext>
+          </a:extLst>
+        </p:cNvPr>
+        <p:cNvGrpSpPr/>
+        <p:nvPr/>
+      </p:nvGrpSpPr>
+      <p:grpSpPr>
+        <a:xfrm>
+          <a:off x="0" y="0"/>
+          <a:ext cx="0" cy="0"/>
+          <a:chOff x="0" y="0"/>
+          <a:chExt cx="0" cy="0"/>
+        </a:xfrm>
+      </p:grpSpPr>
+      <p:sp>
+        <p:nvSpPr>
+          <p:cNvPr id="2" name="Title 1">
+            <a:extLst>
+              <a:ext uri="{FF2B5EF4-FFF2-40B4-BE49-F238E27FC236}">
+                <a16:creationId xmlns:a16="http://schemas.microsoft.com/office/drawing/2014/main" id="{ED58C25B-AB75-D730-D030-82868CD14AC1}"/>
+              </a:ext>
+            </a:extLst>
+          </p:cNvPr>
+          <p:cNvSpPr>
+            <a:spLocks noGrp="1"/>
+          </p:cNvSpPr>
+          <p:nvPr>
+            <p:ph type="title"/>
+          </p:nvPr>
+        </p:nvSpPr>
+        <p:spPr/>
+        <p:txBody>
+          <a:bodyPr/>
+          <a:lstStyle/>
+          <a:p>
+            <a:r>
+              <a:rPr lang="en-US" dirty="0"/>
+              <a:t>The Lab Safety Contract</a:t>
+            </a:r>
+          </a:p>
+        </p:txBody>
+      </p:sp>
+      <p:sp>
+        <p:nvSpPr>
+          <p:cNvPr id="3" name="Content Placeholder 2">
+            <a:extLst>
+              <a:ext uri="{FF2B5EF4-FFF2-40B4-BE49-F238E27FC236}">
+                <a16:creationId xmlns:a16="http://schemas.microsoft.com/office/drawing/2014/main" id="{FF27F8AF-8BE2-DA15-3EDB-D48374EE97AE}"/>
+              </a:ext>
+            </a:extLst>
+          </p:cNvPr>
+          <p:cNvSpPr>
+            <a:spLocks noGrp="1"/>
+          </p:cNvSpPr>
+          <p:nvPr>
+            <p:ph idx="1"/>
+          </p:nvPr>
+        </p:nvSpPr>
+        <p:spPr/>
+        <p:txBody>
+          <a:bodyPr/>
+          <a:lstStyle/>
+          <a:p>
+            <a:r>
+              <a:rPr lang="en-US" dirty="0"/>
+              <a:t>Inserting glass tubing &amp; thermometers in holed stoppers</a:t>
+            </a:r>
+          </a:p>
+          <a:p>
+            <a:pPr lvl="1"/>
+            <a:r>
+              <a:rPr lang="en-US" dirty="0"/>
+              <a:t>Very avoidable injuries are caused by wrongly inserting glass tubing into holed stoppers!</a:t>
+            </a:r>
+          </a:p>
+          <a:p>
+            <a:pPr lvl="1"/>
+            <a:r>
+              <a:rPr lang="en-US" dirty="0"/>
+              <a:t>Apply glycerin (or at least dishwashing detergent) to the hole and surface of tubing</a:t>
+            </a:r>
+          </a:p>
+          <a:p>
+            <a:pPr lvl="1"/>
+            <a:r>
+              <a:rPr lang="en-US" dirty="0"/>
+              <a:t>Push tubing into hole, using a rotating motion</a:t>
+            </a:r>
+          </a:p>
+          <a:p>
+            <a:pPr lvl="2">
+              <a:buFont typeface="Courier New" panose="02070309020205020404" pitchFamily="49" charset="0"/>
+              <a:buChar char="o"/>
+            </a:pPr>
+            <a:r>
+              <a:rPr lang="en-US" dirty="0"/>
+              <a:t>Insertion should be with ease and no great resistance</a:t>
+            </a:r>
+          </a:p>
+          <a:p>
+            <a:pPr lvl="2">
+              <a:buFont typeface="Courier New" panose="02070309020205020404" pitchFamily="49" charset="0"/>
+              <a:buChar char="o"/>
+            </a:pPr>
+            <a:r>
+              <a:rPr lang="en-US" dirty="0"/>
+              <a:t>Do not have the tubing insertion and your palm in same path!</a:t>
+            </a:r>
+          </a:p>
+          <a:p>
+            <a:pPr lvl="1"/>
+            <a:r>
+              <a:rPr lang="en-US" dirty="0"/>
+              <a:t>Wash stopper &amp; inserted tubing liberally with water when done</a:t>
+            </a:r>
+          </a:p>
+          <a:p>
+            <a:pPr lvl="1"/>
+            <a:endParaRPr lang="en-US" dirty="0"/>
+          </a:p>
+          <a:p>
+            <a:r>
+              <a:rPr lang="en-US" dirty="0"/>
+              <a:t>Unfamiliar with glassware? Ask instructor what it is and what it’s used for</a:t>
+            </a:r>
+          </a:p>
+        </p:txBody>
+      </p:sp>
+    </p:spTree>
+    <p:extLst>
+      <p:ext uri="{BB962C8B-B14F-4D97-AF65-F5344CB8AC3E}">
+        <p14:creationId xmlns:p14="http://schemas.microsoft.com/office/powerpoint/2010/main" val="2903961451"/>
       </p:ext>
     </p:extLst>
   </p:cSld>
